--- a/python workshop.pptx
+++ b/python workshop.pptx
@@ -11,17 +11,16 @@
     <p:sldId id="260" r:id="rId5"/>
     <p:sldId id="258" r:id="rId6"/>
     <p:sldId id="259" r:id="rId7"/>
-    <p:sldId id="262" r:id="rId8"/>
-    <p:sldId id="263" r:id="rId9"/>
-    <p:sldId id="264" r:id="rId10"/>
-    <p:sldId id="265" r:id="rId11"/>
-    <p:sldId id="266" r:id="rId12"/>
-    <p:sldId id="267" r:id="rId13"/>
-    <p:sldId id="268" r:id="rId14"/>
-    <p:sldId id="270" r:id="rId15"/>
-    <p:sldId id="271" r:id="rId16"/>
-    <p:sldId id="272" r:id="rId17"/>
-    <p:sldId id="269" r:id="rId18"/>
+    <p:sldId id="263" r:id="rId8"/>
+    <p:sldId id="265" r:id="rId9"/>
+    <p:sldId id="266" r:id="rId10"/>
+    <p:sldId id="267" r:id="rId11"/>
+    <p:sldId id="273" r:id="rId12"/>
+    <p:sldId id="268" r:id="rId13"/>
+    <p:sldId id="270" r:id="rId14"/>
+    <p:sldId id="271" r:id="rId15"/>
+    <p:sldId id="272" r:id="rId16"/>
+    <p:sldId id="269" r:id="rId17"/>
   </p:sldIdLst>
   <p:sldSz cx="12192000" cy="6858000"/>
   <p:notesSz cx="6858000" cy="9144000"/>
@@ -277,7 +276,7 @@
           <a:p>
             <a:fld id="{9373479E-DB2B-0440-834C-CBFB66E439C2}" type="datetimeFigureOut">
               <a:rPr kumimoji="1" lang="zh-MO" altLang="en-US" smtClean="0"/>
-              <a:t>16/10/19</a:t>
+              <a:t>16/09/20</a:t>
             </a:fld>
             <a:endParaRPr kumimoji="1" lang="zh-MO" altLang="en-US"/>
           </a:p>
@@ -477,7 +476,7 @@
           <a:p>
             <a:fld id="{9373479E-DB2B-0440-834C-CBFB66E439C2}" type="datetimeFigureOut">
               <a:rPr kumimoji="1" lang="zh-MO" altLang="en-US" smtClean="0"/>
-              <a:t>16/10/19</a:t>
+              <a:t>16/09/20</a:t>
             </a:fld>
             <a:endParaRPr kumimoji="1" lang="zh-MO" altLang="en-US"/>
           </a:p>
@@ -687,7 +686,7 @@
           <a:p>
             <a:fld id="{9373479E-DB2B-0440-834C-CBFB66E439C2}" type="datetimeFigureOut">
               <a:rPr kumimoji="1" lang="zh-MO" altLang="en-US" smtClean="0"/>
-              <a:t>16/10/19</a:t>
+              <a:t>16/09/20</a:t>
             </a:fld>
             <a:endParaRPr kumimoji="1" lang="zh-MO" altLang="en-US"/>
           </a:p>
@@ -887,7 +886,7 @@
           <a:p>
             <a:fld id="{9373479E-DB2B-0440-834C-CBFB66E439C2}" type="datetimeFigureOut">
               <a:rPr kumimoji="1" lang="zh-MO" altLang="en-US" smtClean="0"/>
-              <a:t>16/10/19</a:t>
+              <a:t>16/09/20</a:t>
             </a:fld>
             <a:endParaRPr kumimoji="1" lang="zh-MO" altLang="en-US"/>
           </a:p>
@@ -1163,7 +1162,7 @@
           <a:p>
             <a:fld id="{9373479E-DB2B-0440-834C-CBFB66E439C2}" type="datetimeFigureOut">
               <a:rPr kumimoji="1" lang="zh-MO" altLang="en-US" smtClean="0"/>
-              <a:t>16/10/19</a:t>
+              <a:t>16/09/20</a:t>
             </a:fld>
             <a:endParaRPr kumimoji="1" lang="zh-MO" altLang="en-US"/>
           </a:p>
@@ -1431,7 +1430,7 @@
           <a:p>
             <a:fld id="{9373479E-DB2B-0440-834C-CBFB66E439C2}" type="datetimeFigureOut">
               <a:rPr kumimoji="1" lang="zh-MO" altLang="en-US" smtClean="0"/>
-              <a:t>16/10/19</a:t>
+              <a:t>16/09/20</a:t>
             </a:fld>
             <a:endParaRPr kumimoji="1" lang="zh-MO" altLang="en-US"/>
           </a:p>
@@ -1846,7 +1845,7 @@
           <a:p>
             <a:fld id="{9373479E-DB2B-0440-834C-CBFB66E439C2}" type="datetimeFigureOut">
               <a:rPr kumimoji="1" lang="zh-MO" altLang="en-US" smtClean="0"/>
-              <a:t>16/10/19</a:t>
+              <a:t>16/09/20</a:t>
             </a:fld>
             <a:endParaRPr kumimoji="1" lang="zh-MO" altLang="en-US"/>
           </a:p>
@@ -1988,7 +1987,7 @@
           <a:p>
             <a:fld id="{9373479E-DB2B-0440-834C-CBFB66E439C2}" type="datetimeFigureOut">
               <a:rPr kumimoji="1" lang="zh-MO" altLang="en-US" smtClean="0"/>
-              <a:t>16/10/19</a:t>
+              <a:t>16/09/20</a:t>
             </a:fld>
             <a:endParaRPr kumimoji="1" lang="zh-MO" altLang="en-US"/>
           </a:p>
@@ -2101,7 +2100,7 @@
           <a:p>
             <a:fld id="{9373479E-DB2B-0440-834C-CBFB66E439C2}" type="datetimeFigureOut">
               <a:rPr kumimoji="1" lang="zh-MO" altLang="en-US" smtClean="0"/>
-              <a:t>16/10/19</a:t>
+              <a:t>16/09/20</a:t>
             </a:fld>
             <a:endParaRPr kumimoji="1" lang="zh-MO" altLang="en-US"/>
           </a:p>
@@ -2414,7 +2413,7 @@
           <a:p>
             <a:fld id="{9373479E-DB2B-0440-834C-CBFB66E439C2}" type="datetimeFigureOut">
               <a:rPr kumimoji="1" lang="zh-MO" altLang="en-US" smtClean="0"/>
-              <a:t>16/10/19</a:t>
+              <a:t>16/09/20</a:t>
             </a:fld>
             <a:endParaRPr kumimoji="1" lang="zh-MO" altLang="en-US"/>
           </a:p>
@@ -2703,7 +2702,7 @@
           <a:p>
             <a:fld id="{9373479E-DB2B-0440-834C-CBFB66E439C2}" type="datetimeFigureOut">
               <a:rPr kumimoji="1" lang="zh-MO" altLang="en-US" smtClean="0"/>
-              <a:t>16/10/19</a:t>
+              <a:t>16/09/20</a:t>
             </a:fld>
             <a:endParaRPr kumimoji="1" lang="zh-MO" altLang="en-US"/>
           </a:p>
@@ -2946,7 +2945,7 @@
           <a:p>
             <a:fld id="{9373479E-DB2B-0440-834C-CBFB66E439C2}" type="datetimeFigureOut">
               <a:rPr kumimoji="1" lang="zh-MO" altLang="en-US" smtClean="0"/>
-              <a:t>16/10/19</a:t>
+              <a:t>16/09/20</a:t>
             </a:fld>
             <a:endParaRPr kumimoji="1" lang="zh-MO" altLang="en-US"/>
           </a:p>
@@ -3897,362 +3896,6 @@
         </p:nvSpPr>
         <p:spPr>
           <a:xfrm>
-            <a:off x="183714" y="249181"/>
-            <a:ext cx="5912285" cy="1053525"/>
-          </a:xfrm>
-        </p:spPr>
-        <p:txBody>
-          <a:bodyPr>
-            <a:normAutofit/>
-          </a:bodyPr>
-          <a:lstStyle/>
-          <a:p>
-            <a:r>
-              <a:rPr lang="zh-MO" altLang="en-US" b="1" dirty="0"/>
-              <a:t>比較運算子</a:t>
-            </a:r>
-          </a:p>
-        </p:txBody>
-      </p:sp>
-      <p:sp>
-        <p:nvSpPr>
-          <p:cNvPr id="3" name="副標題 2">
-            <a:extLst>
-              <a:ext uri="{FF2B5EF4-FFF2-40B4-BE49-F238E27FC236}">
-                <a16:creationId xmlns:a16="http://schemas.microsoft.com/office/drawing/2014/main" id="{39E8F277-2751-3441-B12C-078A02379FE2}"/>
-              </a:ext>
-            </a:extLst>
-          </p:cNvPr>
-          <p:cNvSpPr>
-            <a:spLocks noGrp="1"/>
-          </p:cNvSpPr>
-          <p:nvPr>
-            <p:ph type="subTitle" idx="1"/>
-          </p:nvPr>
-        </p:nvSpPr>
-        <p:spPr>
-          <a:xfrm>
-            <a:off x="484340" y="1397456"/>
-            <a:ext cx="5254979" cy="3612955"/>
-          </a:xfrm>
-        </p:spPr>
-        <p:txBody>
-          <a:bodyPr>
-            <a:normAutofit/>
-          </a:bodyPr>
-          <a:lstStyle/>
-          <a:p>
-            <a:pPr algn="l"/>
-            <a:r>
-              <a:rPr lang="zh-MO" altLang="en-US" dirty="0"/>
-              <a:t>學了</a:t>
-            </a:r>
-            <a:r>
-              <a:rPr lang="en" altLang="zh-MO" dirty="0"/>
-              <a:t>if...else</a:t>
-            </a:r>
-            <a:r>
-              <a:rPr lang="zh-MO" altLang="en-US" dirty="0"/>
-              <a:t>之後，要來教教大家怎麼樣下各式各樣的條件。</a:t>
-            </a:r>
-            <a:endParaRPr lang="zh-MO" altLang="en-US" sz="3200" dirty="0"/>
-          </a:p>
-        </p:txBody>
-      </p:sp>
-      <p:pic>
-        <p:nvPicPr>
-          <p:cNvPr id="5" name="圖片 4">
-            <a:extLst>
-              <a:ext uri="{FF2B5EF4-FFF2-40B4-BE49-F238E27FC236}">
-                <a16:creationId xmlns:a16="http://schemas.microsoft.com/office/drawing/2014/main" id="{D18C3DF1-54BC-0D44-863A-2AF27A6EE2DB}"/>
-              </a:ext>
-            </a:extLst>
-          </p:cNvPr>
-          <p:cNvPicPr>
-            <a:picLocks noChangeAspect="1"/>
-          </p:cNvPicPr>
-          <p:nvPr/>
-        </p:nvPicPr>
-        <p:blipFill>
-          <a:blip r:embed="rId2"/>
-          <a:stretch>
-            <a:fillRect/>
-          </a:stretch>
-        </p:blipFill>
-        <p:spPr>
-          <a:xfrm>
-            <a:off x="10152322" y="5735637"/>
-            <a:ext cx="1649818" cy="820743"/>
-          </a:xfrm>
-          <a:prstGeom prst="rect">
-            <a:avLst/>
-          </a:prstGeom>
-        </p:spPr>
-      </p:pic>
-      <p:pic>
-        <p:nvPicPr>
-          <p:cNvPr id="6" name="圖片 5">
-            <a:extLst>
-              <a:ext uri="{FF2B5EF4-FFF2-40B4-BE49-F238E27FC236}">
-                <a16:creationId xmlns:a16="http://schemas.microsoft.com/office/drawing/2014/main" id="{B533579E-2CD2-B449-9EA2-C05FDDB96F51}"/>
-              </a:ext>
-            </a:extLst>
-          </p:cNvPr>
-          <p:cNvPicPr>
-            <a:picLocks noChangeAspect="1"/>
-          </p:cNvPicPr>
-          <p:nvPr/>
-        </p:nvPicPr>
-        <p:blipFill>
-          <a:blip r:embed="rId3"/>
-          <a:stretch>
-            <a:fillRect/>
-          </a:stretch>
-        </p:blipFill>
-        <p:spPr>
-          <a:xfrm>
-            <a:off x="5739319" y="1047610"/>
-            <a:ext cx="3894212" cy="5294762"/>
-          </a:xfrm>
-          <a:prstGeom prst="rect">
-            <a:avLst/>
-          </a:prstGeom>
-        </p:spPr>
-      </p:pic>
-    </p:spTree>
-    <p:extLst>
-      <p:ext uri="{BB962C8B-B14F-4D97-AF65-F5344CB8AC3E}">
-        <p14:creationId xmlns:p14="http://schemas.microsoft.com/office/powerpoint/2010/main" val="1078439002"/>
-      </p:ext>
-    </p:extLst>
-  </p:cSld>
-  <p:clrMapOvr>
-    <a:masterClrMapping/>
-  </p:clrMapOvr>
-</p:sld>
-</file>
-
-<file path=ppt/slides/slide11.xml><?xml version="1.0" encoding="utf-8"?>
-<p:sld xmlns:a="http://schemas.openxmlformats.org/drawingml/2006/main" xmlns:r="http://schemas.openxmlformats.org/officeDocument/2006/relationships" xmlns:p="http://schemas.openxmlformats.org/presentationml/2006/main">
-  <p:cSld>
-    <p:spTree>
-      <p:nvGrpSpPr>
-        <p:cNvPr id="1" name=""/>
-        <p:cNvGrpSpPr/>
-        <p:nvPr/>
-      </p:nvGrpSpPr>
-      <p:grpSpPr>
-        <a:xfrm>
-          <a:off x="0" y="0"/>
-          <a:ext cx="0" cy="0"/>
-          <a:chOff x="0" y="0"/>
-          <a:chExt cx="0" cy="0"/>
-        </a:xfrm>
-      </p:grpSpPr>
-      <p:sp>
-        <p:nvSpPr>
-          <p:cNvPr id="2" name="標題 1">
-            <a:extLst>
-              <a:ext uri="{FF2B5EF4-FFF2-40B4-BE49-F238E27FC236}">
-                <a16:creationId xmlns:a16="http://schemas.microsoft.com/office/drawing/2014/main" id="{E8E6C39B-B1DD-7044-B0C4-B5708DE3C59B}"/>
-              </a:ext>
-            </a:extLst>
-          </p:cNvPr>
-          <p:cNvSpPr>
-            <a:spLocks noGrp="1"/>
-          </p:cNvSpPr>
-          <p:nvPr>
-            <p:ph type="ctrTitle"/>
-          </p:nvPr>
-        </p:nvSpPr>
-        <p:spPr>
-          <a:xfrm>
-            <a:off x="183714" y="249181"/>
-            <a:ext cx="5912285" cy="1053525"/>
-          </a:xfrm>
-        </p:spPr>
-        <p:txBody>
-          <a:bodyPr>
-            <a:normAutofit/>
-          </a:bodyPr>
-          <a:lstStyle/>
-          <a:p>
-            <a:r>
-              <a:rPr lang="zh-MO" altLang="en-US" b="1" dirty="0"/>
-              <a:t>布林運算</a:t>
-            </a:r>
-            <a:endParaRPr lang="zh-MO" altLang="en-US" dirty="0"/>
-          </a:p>
-        </p:txBody>
-      </p:sp>
-      <p:sp>
-        <p:nvSpPr>
-          <p:cNvPr id="3" name="副標題 2">
-            <a:extLst>
-              <a:ext uri="{FF2B5EF4-FFF2-40B4-BE49-F238E27FC236}">
-                <a16:creationId xmlns:a16="http://schemas.microsoft.com/office/drawing/2014/main" id="{39E8F277-2751-3441-B12C-078A02379FE2}"/>
-              </a:ext>
-            </a:extLst>
-          </p:cNvPr>
-          <p:cNvSpPr>
-            <a:spLocks noGrp="1"/>
-          </p:cNvSpPr>
-          <p:nvPr>
-            <p:ph type="subTitle" idx="1"/>
-          </p:nvPr>
-        </p:nvSpPr>
-        <p:spPr>
-          <a:xfrm>
-            <a:off x="484340" y="1397456"/>
-            <a:ext cx="8114911" cy="3612955"/>
-          </a:xfrm>
-        </p:spPr>
-        <p:txBody>
-          <a:bodyPr>
-            <a:normAutofit/>
-          </a:bodyPr>
-          <a:lstStyle/>
-          <a:p>
-            <a:pPr algn="l"/>
-            <a:r>
-              <a:rPr lang="zh-MO" altLang="en-US" dirty="0"/>
-              <a:t>學了怎麼樣寫出各式各樣的條件後，你會不會想到：</a:t>
-            </a:r>
-            <a:endParaRPr lang="en-US" altLang="zh-MO" dirty="0"/>
-          </a:p>
-          <a:p>
-            <a:pPr algn="l"/>
-            <a:r>
-              <a:rPr lang="zh-MO" altLang="en-US" dirty="0"/>
-              <a:t>＞如果我想寫出複合式的條件怎麼辦</a:t>
-            </a:r>
-            <a:r>
-              <a:rPr lang="en-US" altLang="zh-MO" dirty="0"/>
-              <a:t>?</a:t>
-            </a:r>
-          </a:p>
-          <a:p>
-            <a:pPr algn="l"/>
-            <a:endParaRPr lang="en-US" altLang="zh-MO" dirty="0"/>
-          </a:p>
-          <a:p>
-            <a:pPr algn="l"/>
-            <a:r>
-              <a:rPr lang="zh-MO" altLang="en-US" dirty="0"/>
-              <a:t>那這樣時候我們就要依靠布林運算子了：</a:t>
-            </a:r>
-            <a:endParaRPr lang="en-US" altLang="zh-MO" dirty="0"/>
-          </a:p>
-        </p:txBody>
-      </p:sp>
-      <p:pic>
-        <p:nvPicPr>
-          <p:cNvPr id="5" name="圖片 4">
-            <a:extLst>
-              <a:ext uri="{FF2B5EF4-FFF2-40B4-BE49-F238E27FC236}">
-                <a16:creationId xmlns:a16="http://schemas.microsoft.com/office/drawing/2014/main" id="{D18C3DF1-54BC-0D44-863A-2AF27A6EE2DB}"/>
-              </a:ext>
-            </a:extLst>
-          </p:cNvPr>
-          <p:cNvPicPr>
-            <a:picLocks noChangeAspect="1"/>
-          </p:cNvPicPr>
-          <p:nvPr/>
-        </p:nvPicPr>
-        <p:blipFill>
-          <a:blip r:embed="rId2"/>
-          <a:stretch>
-            <a:fillRect/>
-          </a:stretch>
-        </p:blipFill>
-        <p:spPr>
-          <a:xfrm>
-            <a:off x="10152322" y="5735637"/>
-            <a:ext cx="1649818" cy="820743"/>
-          </a:xfrm>
-          <a:prstGeom prst="rect">
-            <a:avLst/>
-          </a:prstGeom>
-        </p:spPr>
-      </p:pic>
-      <p:pic>
-        <p:nvPicPr>
-          <p:cNvPr id="4" name="圖片 3">
-            <a:extLst>
-              <a:ext uri="{FF2B5EF4-FFF2-40B4-BE49-F238E27FC236}">
-                <a16:creationId xmlns:a16="http://schemas.microsoft.com/office/drawing/2014/main" id="{9BBA5299-ED3B-FE43-9361-C8EA819BAA46}"/>
-              </a:ext>
-            </a:extLst>
-          </p:cNvPr>
-          <p:cNvPicPr>
-            <a:picLocks noChangeAspect="1"/>
-          </p:cNvPicPr>
-          <p:nvPr/>
-        </p:nvPicPr>
-        <p:blipFill>
-          <a:blip r:embed="rId3"/>
-          <a:stretch>
-            <a:fillRect/>
-          </a:stretch>
-        </p:blipFill>
-        <p:spPr>
-          <a:xfrm>
-            <a:off x="588101" y="3334750"/>
-            <a:ext cx="7563678" cy="3221567"/>
-          </a:xfrm>
-          <a:prstGeom prst="rect">
-            <a:avLst/>
-          </a:prstGeom>
-        </p:spPr>
-      </p:pic>
-    </p:spTree>
-    <p:extLst>
-      <p:ext uri="{BB962C8B-B14F-4D97-AF65-F5344CB8AC3E}">
-        <p14:creationId xmlns:p14="http://schemas.microsoft.com/office/powerpoint/2010/main" val="1447746810"/>
-      </p:ext>
-    </p:extLst>
-  </p:cSld>
-  <p:clrMapOvr>
-    <a:masterClrMapping/>
-  </p:clrMapOvr>
-</p:sld>
-</file>
-
-<file path=ppt/slides/slide12.xml><?xml version="1.0" encoding="utf-8"?>
-<p:sld xmlns:a="http://schemas.openxmlformats.org/drawingml/2006/main" xmlns:r="http://schemas.openxmlformats.org/officeDocument/2006/relationships" xmlns:p="http://schemas.openxmlformats.org/presentationml/2006/main">
-  <p:cSld>
-    <p:spTree>
-      <p:nvGrpSpPr>
-        <p:cNvPr id="1" name=""/>
-        <p:cNvGrpSpPr/>
-        <p:nvPr/>
-      </p:nvGrpSpPr>
-      <p:grpSpPr>
-        <a:xfrm>
-          <a:off x="0" y="0"/>
-          <a:ext cx="0" cy="0"/>
-          <a:chOff x="0" y="0"/>
-          <a:chExt cx="0" cy="0"/>
-        </a:xfrm>
-      </p:grpSpPr>
-      <p:sp>
-        <p:nvSpPr>
-          <p:cNvPr id="2" name="標題 1">
-            <a:extLst>
-              <a:ext uri="{FF2B5EF4-FFF2-40B4-BE49-F238E27FC236}">
-                <a16:creationId xmlns:a16="http://schemas.microsoft.com/office/drawing/2014/main" id="{E8E6C39B-B1DD-7044-B0C4-B5708DE3C59B}"/>
-              </a:ext>
-            </a:extLst>
-          </p:cNvPr>
-          <p:cNvSpPr>
-            <a:spLocks noGrp="1"/>
-          </p:cNvSpPr>
-          <p:nvPr>
-            <p:ph type="ctrTitle"/>
-          </p:nvPr>
-        </p:nvSpPr>
-        <p:spPr>
-          <a:xfrm>
             <a:off x="484340" y="343931"/>
             <a:ext cx="5912285" cy="1053525"/>
           </a:xfrm>
@@ -4382,7 +4025,283 @@
 </p:sld>
 </file>
 
-<file path=ppt/slides/slide13.xml><?xml version="1.0" encoding="utf-8"?>
+<file path=ppt/slides/slide11.xml><?xml version="1.0" encoding="utf-8"?>
+<p:sld xmlns:a="http://schemas.openxmlformats.org/drawingml/2006/main" xmlns:r="http://schemas.openxmlformats.org/officeDocument/2006/relationships" xmlns:p="http://schemas.openxmlformats.org/presentationml/2006/main">
+  <p:cSld>
+    <p:spTree>
+      <p:nvGrpSpPr>
+        <p:cNvPr id="1" name=""/>
+        <p:cNvGrpSpPr/>
+        <p:nvPr/>
+      </p:nvGrpSpPr>
+      <p:grpSpPr>
+        <a:xfrm>
+          <a:off x="0" y="0"/>
+          <a:ext cx="0" cy="0"/>
+          <a:chOff x="0" y="0"/>
+          <a:chExt cx="0" cy="0"/>
+        </a:xfrm>
+      </p:grpSpPr>
+      <p:sp>
+        <p:nvSpPr>
+          <p:cNvPr id="2" name="標題 1">
+            <a:extLst>
+              <a:ext uri="{FF2B5EF4-FFF2-40B4-BE49-F238E27FC236}">
+                <a16:creationId xmlns:a16="http://schemas.microsoft.com/office/drawing/2014/main" id="{E8E6C39B-B1DD-7044-B0C4-B5708DE3C59B}"/>
+              </a:ext>
+            </a:extLst>
+          </p:cNvPr>
+          <p:cNvSpPr>
+            <a:spLocks noGrp="1"/>
+          </p:cNvSpPr>
+          <p:nvPr>
+            <p:ph type="ctrTitle"/>
+          </p:nvPr>
+        </p:nvSpPr>
+        <p:spPr>
+          <a:xfrm>
+            <a:off x="484340" y="343931"/>
+            <a:ext cx="5912285" cy="1053525"/>
+          </a:xfrm>
+        </p:spPr>
+        <p:txBody>
+          <a:bodyPr>
+            <a:normAutofit/>
+          </a:bodyPr>
+          <a:lstStyle/>
+          <a:p>
+            <a:pPr algn="l"/>
+            <a:r>
+              <a:rPr lang="en-US" altLang="zh-MO" b="1" dirty="0"/>
+              <a:t>python</a:t>
+            </a:r>
+            <a:r>
+              <a:rPr lang="zh-MO" altLang="en-US" b="1" dirty="0"/>
+              <a:t>練習</a:t>
+            </a:r>
+            <a:endParaRPr lang="zh-MO" altLang="en-US" dirty="0"/>
+          </a:p>
+        </p:txBody>
+      </p:sp>
+      <p:sp>
+        <p:nvSpPr>
+          <p:cNvPr id="3" name="副標題 2">
+            <a:extLst>
+              <a:ext uri="{FF2B5EF4-FFF2-40B4-BE49-F238E27FC236}">
+                <a16:creationId xmlns:a16="http://schemas.microsoft.com/office/drawing/2014/main" id="{39E8F277-2751-3441-B12C-078A02379FE2}"/>
+              </a:ext>
+            </a:extLst>
+          </p:cNvPr>
+          <p:cNvSpPr>
+            <a:spLocks noGrp="1"/>
+          </p:cNvSpPr>
+          <p:nvPr>
+            <p:ph type="subTitle" idx="1"/>
+          </p:nvPr>
+        </p:nvSpPr>
+        <p:spPr>
+          <a:xfrm>
+            <a:off x="484340" y="1397456"/>
+            <a:ext cx="8114911" cy="3612955"/>
+          </a:xfrm>
+        </p:spPr>
+        <p:txBody>
+          <a:bodyPr>
+            <a:normAutofit/>
+          </a:bodyPr>
+          <a:lstStyle/>
+          <a:p>
+            <a:pPr algn="l"/>
+            <a:r>
+              <a:rPr lang="zh-MO" altLang="en-US" dirty="0"/>
+              <a:t>當你輸入名字，電腦會回覆你</a:t>
+            </a:r>
+            <a:r>
+              <a:rPr lang="en-US" altLang="zh-MO" dirty="0"/>
+              <a:t> “</a:t>
+            </a:r>
+            <a:r>
+              <a:rPr lang="zh-MO" altLang="en-US" dirty="0"/>
+              <a:t>你好</a:t>
+            </a:r>
+            <a:r>
+              <a:rPr lang="en-US" altLang="zh-MO" dirty="0"/>
+              <a:t>XXX”</a:t>
+            </a:r>
+          </a:p>
+          <a:p>
+            <a:pPr algn="l"/>
+            <a:r>
+              <a:rPr lang="zh-MO" altLang="en-US" dirty="0"/>
+              <a:t>再等</a:t>
+            </a:r>
+            <a:r>
+              <a:rPr lang="en-US" altLang="zh-MO" dirty="0"/>
+              <a:t>5</a:t>
+            </a:r>
+            <a:r>
+              <a:rPr lang="zh-MO" altLang="en-US" dirty="0"/>
+              <a:t>秒顯示 </a:t>
+            </a:r>
+            <a:r>
+              <a:rPr lang="en-US" altLang="zh-MO" dirty="0"/>
+              <a:t>“</a:t>
+            </a:r>
+            <a:r>
+              <a:rPr lang="zh-MO" altLang="en-US" dirty="0"/>
+              <a:t>網頁加載完成</a:t>
+            </a:r>
+            <a:r>
+              <a:rPr lang="en-US" altLang="zh-MO" dirty="0"/>
+              <a:t>”</a:t>
+            </a:r>
+          </a:p>
+          <a:p>
+            <a:pPr algn="l"/>
+            <a:r>
+              <a:rPr lang="zh-MO" altLang="en-US" dirty="0"/>
+              <a:t>再</a:t>
+            </a:r>
+            <a:r>
+              <a:rPr lang="en-US" altLang="zh-MO" dirty="0"/>
+              <a:t>post </a:t>
+            </a:r>
+            <a:r>
+              <a:rPr lang="zh-MO" altLang="en-US" dirty="0"/>
+              <a:t>一</a:t>
+            </a:r>
+            <a:r>
+              <a:rPr lang="en-US" altLang="zh-MO" dirty="0"/>
+              <a:t>request to </a:t>
+            </a:r>
+            <a:r>
+              <a:rPr lang="zh-MO" altLang="en-US" dirty="0"/>
+              <a:t>某個網站，顯示得到回覆的結果</a:t>
+            </a:r>
+            <a:endParaRPr lang="en-US" altLang="zh-MO" dirty="0"/>
+          </a:p>
+          <a:p>
+            <a:pPr algn="l"/>
+            <a:endParaRPr lang="en-US" altLang="zh-MO" dirty="0"/>
+          </a:p>
+          <a:p>
+            <a:pPr algn="l"/>
+            <a:endParaRPr lang="en-US" altLang="zh-MO" dirty="0"/>
+          </a:p>
+          <a:p>
+            <a:pPr algn="l"/>
+            <a:endParaRPr lang="en-US" altLang="zh-MO" dirty="0"/>
+          </a:p>
+        </p:txBody>
+      </p:sp>
+      <p:pic>
+        <p:nvPicPr>
+          <p:cNvPr id="5" name="圖片 4">
+            <a:extLst>
+              <a:ext uri="{FF2B5EF4-FFF2-40B4-BE49-F238E27FC236}">
+                <a16:creationId xmlns:a16="http://schemas.microsoft.com/office/drawing/2014/main" id="{D18C3DF1-54BC-0D44-863A-2AF27A6EE2DB}"/>
+              </a:ext>
+            </a:extLst>
+          </p:cNvPr>
+          <p:cNvPicPr>
+            <a:picLocks noChangeAspect="1"/>
+          </p:cNvPicPr>
+          <p:nvPr/>
+        </p:nvPicPr>
+        <p:blipFill>
+          <a:blip r:embed="rId2"/>
+          <a:stretch>
+            <a:fillRect/>
+          </a:stretch>
+        </p:blipFill>
+        <p:spPr>
+          <a:xfrm>
+            <a:off x="10152322" y="5735637"/>
+            <a:ext cx="1649818" cy="820743"/>
+          </a:xfrm>
+          <a:prstGeom prst="rect">
+            <a:avLst/>
+          </a:prstGeom>
+        </p:spPr>
+      </p:pic>
+      <p:sp>
+        <p:nvSpPr>
+          <p:cNvPr id="4" name="矩形 3">
+            <a:extLst>
+              <a:ext uri="{FF2B5EF4-FFF2-40B4-BE49-F238E27FC236}">
+                <a16:creationId xmlns:a16="http://schemas.microsoft.com/office/drawing/2014/main" id="{18DB51C5-1C8F-554C-A88B-F3C1D9D01E31}"/>
+              </a:ext>
+            </a:extLst>
+          </p:cNvPr>
+          <p:cNvSpPr/>
+          <p:nvPr/>
+        </p:nvSpPr>
+        <p:spPr>
+          <a:xfrm>
+            <a:off x="300624" y="5985670"/>
+            <a:ext cx="8422961" cy="369332"/>
+          </a:xfrm>
+          <a:prstGeom prst="rect">
+            <a:avLst/>
+          </a:prstGeom>
+        </p:spPr>
+        <p:txBody>
+          <a:bodyPr wrap="square">
+            <a:spAutoFit/>
+          </a:bodyPr>
+          <a:lstStyle/>
+          <a:p>
+            <a:r>
+              <a:rPr lang="zh-MO" altLang="en-US" dirty="0"/>
+              <a:t>https://blog.gtwang.org/programming/python-requests-module-tutorial/</a:t>
+            </a:r>
+          </a:p>
+        </p:txBody>
+      </p:sp>
+      <p:pic>
+        <p:nvPicPr>
+          <p:cNvPr id="7" name="圖片 6">
+            <a:extLst>
+              <a:ext uri="{FF2B5EF4-FFF2-40B4-BE49-F238E27FC236}">
+                <a16:creationId xmlns:a16="http://schemas.microsoft.com/office/drawing/2014/main" id="{616324B6-1A78-2D4B-A0AC-6B8330FEE2D5}"/>
+              </a:ext>
+            </a:extLst>
+          </p:cNvPr>
+          <p:cNvPicPr>
+            <a:picLocks noChangeAspect="1"/>
+          </p:cNvPicPr>
+          <p:nvPr/>
+        </p:nvPicPr>
+        <p:blipFill>
+          <a:blip r:embed="rId3"/>
+          <a:stretch>
+            <a:fillRect/>
+          </a:stretch>
+        </p:blipFill>
+        <p:spPr>
+          <a:xfrm>
+            <a:off x="580766" y="2853362"/>
+            <a:ext cx="10075122" cy="2759162"/>
+          </a:xfrm>
+          <a:prstGeom prst="rect">
+            <a:avLst/>
+          </a:prstGeom>
+        </p:spPr>
+      </p:pic>
+    </p:spTree>
+    <p:extLst>
+      <p:ext uri="{BB962C8B-B14F-4D97-AF65-F5344CB8AC3E}">
+        <p14:creationId xmlns:p14="http://schemas.microsoft.com/office/powerpoint/2010/main" val="3285185653"/>
+      </p:ext>
+    </p:extLst>
+  </p:cSld>
+  <p:clrMapOvr>
+    <a:masterClrMapping/>
+  </p:clrMapOvr>
+</p:sld>
+</file>
+
+<file path=ppt/slides/slide12.xml><?xml version="1.0" encoding="utf-8"?>
 <p:sld xmlns:a="http://schemas.openxmlformats.org/drawingml/2006/main" xmlns:r="http://schemas.openxmlformats.org/officeDocument/2006/relationships" xmlns:p="http://schemas.openxmlformats.org/presentationml/2006/main">
   <p:cSld>
     <p:spTree>
@@ -4824,7 +4743,7 @@
 </p:sld>
 </file>
 
-<file path=ppt/slides/slide14.xml><?xml version="1.0" encoding="utf-8"?>
+<file path=ppt/slides/slide13.xml><?xml version="1.0" encoding="utf-8"?>
 <p:sld xmlns:a="http://schemas.openxmlformats.org/drawingml/2006/main" xmlns:r="http://schemas.openxmlformats.org/officeDocument/2006/relationships" xmlns:p="http://schemas.openxmlformats.org/presentationml/2006/main">
   <p:cSld>
     <p:spTree>
@@ -5050,7 +4969,7 @@
 </p:sld>
 </file>
 
-<file path=ppt/slides/slide15.xml><?xml version="1.0" encoding="utf-8"?>
+<file path=ppt/slides/slide14.xml><?xml version="1.0" encoding="utf-8"?>
 <p:sld xmlns:a="http://schemas.openxmlformats.org/drawingml/2006/main" xmlns:r="http://schemas.openxmlformats.org/officeDocument/2006/relationships" xmlns:p="http://schemas.openxmlformats.org/presentationml/2006/main">
   <p:cSld>
     <p:spTree>
@@ -5360,7 +5279,7 @@
 </p:sld>
 </file>
 
-<file path=ppt/slides/slide16.xml><?xml version="1.0" encoding="utf-8"?>
+<file path=ppt/slides/slide15.xml><?xml version="1.0" encoding="utf-8"?>
 <p:sld xmlns:a="http://schemas.openxmlformats.org/drawingml/2006/main" xmlns:r="http://schemas.openxmlformats.org/officeDocument/2006/relationships" xmlns:p="http://schemas.openxmlformats.org/presentationml/2006/main">
   <p:cSld>
     <p:spTree>
@@ -5593,7 +5512,7 @@
 </p:sld>
 </file>
 
-<file path=ppt/slides/slide17.xml><?xml version="1.0" encoding="utf-8"?>
+<file path=ppt/slides/slide16.xml><?xml version="1.0" encoding="utf-8"?>
 <p:sld xmlns:a="http://schemas.openxmlformats.org/drawingml/2006/main" xmlns:r="http://schemas.openxmlformats.org/officeDocument/2006/relationships" xmlns:p="http://schemas.openxmlformats.org/presentationml/2006/main">
   <p:cSld>
     <p:spTree>
@@ -8041,8 +7960,8 @@
         </p:nvSpPr>
         <p:spPr>
           <a:xfrm>
-            <a:off x="183715" y="249181"/>
-            <a:ext cx="3761984" cy="1053525"/>
+            <a:off x="183714" y="249181"/>
+            <a:ext cx="5912285" cy="1053525"/>
           </a:xfrm>
         </p:spPr>
         <p:txBody>
@@ -8052,10 +7971,17 @@
           <a:lstStyle/>
           <a:p>
             <a:r>
-              <a:rPr kumimoji="1" lang="zh-MO" altLang="en-US" b="1" dirty="0"/>
-              <a:t>用戶輸入</a:t>
-            </a:r>
-            <a:endParaRPr kumimoji="1" lang="zh-MO" altLang="en-US" dirty="0"/>
+              <a:rPr lang="zh-MO" altLang="en-US" b="1" dirty="0"/>
+              <a:t>流程控制</a:t>
+            </a:r>
+            <a:r>
+              <a:rPr lang="en-US" altLang="zh-MO" b="1" dirty="0"/>
+              <a:t>(</a:t>
+            </a:r>
+            <a:r>
+              <a:rPr lang="en" altLang="zh-MO" b="1" dirty="0"/>
+              <a:t>if...else)</a:t>
+            </a:r>
           </a:p>
         </p:txBody>
       </p:sp>
@@ -8089,38 +8015,64 @@
           <a:p>
             <a:pPr algn="l"/>
             <a:r>
-              <a:rPr lang="en" altLang="zh-MO" sz="3200" b="1" dirty="0"/>
-              <a:t>User Input</a:t>
-            </a:r>
-          </a:p>
-          <a:p>
-            <a:pPr algn="l"/>
-            <a:r>
-              <a:rPr lang="zh-MO" altLang="en-US" sz="3200" dirty="0"/>
-              <a:t>有時候程式也需要與外界的使用者互動，來接收一些外部指令或訊息。</a:t>
+              <a:rPr lang="zh-MO" altLang="en-US" dirty="0"/>
+              <a:t>寫程式的時候，很常遇到某些情況，如：達成條件要做</a:t>
+            </a:r>
+            <a:r>
+              <a:rPr lang="en" altLang="zh-MO" dirty="0"/>
+              <a:t>A</a:t>
+            </a:r>
+            <a:r>
+              <a:rPr lang="zh-MO" altLang="en" dirty="0"/>
+              <a:t>，</a:t>
+            </a:r>
+            <a:r>
+              <a:rPr lang="zh-MO" altLang="en-US" dirty="0"/>
+              <a:t>未達成要做</a:t>
+            </a:r>
+            <a:r>
+              <a:rPr lang="en" altLang="zh-MO" dirty="0"/>
+              <a:t>B</a:t>
+            </a:r>
+            <a:r>
+              <a:rPr lang="zh-MO" altLang="en" dirty="0"/>
+              <a:t>。</a:t>
+            </a:r>
+            <a:br>
+              <a:rPr lang="en" altLang="zh-MO" sz="3200" dirty="0"/>
+            </a:br>
+            <a:r>
+              <a:rPr lang="zh-MO" altLang="en-US" dirty="0"/>
+              <a:t>這時候我們就可以用</a:t>
+            </a:r>
+            <a:r>
+              <a:rPr lang="en" altLang="zh-MO" sz="3200" dirty="0">
+                <a:solidFill>
+                  <a:srgbClr val="FF0000"/>
+                </a:solidFill>
+              </a:rPr>
+              <a:t>if...else</a:t>
+            </a:r>
+            <a:r>
+              <a:rPr lang="zh-MO" altLang="en-US" dirty="0"/>
+              <a:t>來做到這件事情。</a:t>
             </a:r>
             <a:br>
               <a:rPr lang="zh-MO" altLang="en-US" sz="3200" dirty="0"/>
             </a:br>
             <a:r>
-              <a:rPr lang="zh-MO" altLang="en-US" sz="3200" dirty="0"/>
-              <a:t>這時候你可以用</a:t>
-            </a:r>
-            <a:r>
-              <a:rPr lang="en" altLang="zh-MO" sz="3200" dirty="0"/>
-              <a:t>input</a:t>
-            </a:r>
-            <a:r>
-              <a:rPr lang="zh-MO" altLang="en-US" sz="3200" dirty="0"/>
-              <a:t>這個函式，他會回傳外部送來的訊息。</a:t>
-            </a:r>
-            <a:br>
-              <a:rPr lang="zh-MO" altLang="en-US" sz="3200" dirty="0"/>
-            </a:br>
-            <a:r>
-              <a:rPr lang="zh-MO" altLang="en-US" sz="3200" dirty="0"/>
-              <a:t>執行下方的程式，並在終端機輸入你的名字，看看會發生什麼事</a:t>
-            </a:r>
+              <a:rPr lang="zh-MO" altLang="en-US" dirty="0"/>
+              <a:t>假設我們有一個學生的考試成績，就可以根據成績的不同來印出評語：</a:t>
+            </a:r>
+            <a:endParaRPr lang="en-US" altLang="zh-MO" dirty="0"/>
+          </a:p>
+          <a:p>
+            <a:pPr algn="l"/>
+            <a:endParaRPr lang="en-US" altLang="zh-MO" sz="3200" dirty="0"/>
+          </a:p>
+          <a:p>
+            <a:pPr algn="l"/>
+            <a:endParaRPr lang="zh-MO" altLang="en-US" sz="3200" dirty="0"/>
           </a:p>
         </p:txBody>
       </p:sp>
@@ -8156,10 +8108,10 @@
       </p:pic>
       <p:pic>
         <p:nvPicPr>
-          <p:cNvPr id="6" name="圖片 5">
-            <a:extLst>
-              <a:ext uri="{FF2B5EF4-FFF2-40B4-BE49-F238E27FC236}">
-                <a16:creationId xmlns:a16="http://schemas.microsoft.com/office/drawing/2014/main" id="{8FDE3C90-DA42-E24A-AFCC-7314E86CDB42}"/>
+          <p:cNvPr id="4" name="圖片 3">
+            <a:extLst>
+              <a:ext uri="{FF2B5EF4-FFF2-40B4-BE49-F238E27FC236}">
+                <a16:creationId xmlns:a16="http://schemas.microsoft.com/office/drawing/2014/main" id="{F78D2BAA-06E5-6C4C-9C4A-B188047D8BB3}"/>
               </a:ext>
             </a:extLst>
           </p:cNvPr>
@@ -8176,18 +8128,131 @@
         </p:blipFill>
         <p:spPr>
           <a:xfrm>
-            <a:off x="1240077" y="5129723"/>
-            <a:ext cx="8065603" cy="1211827"/>
+            <a:off x="5715206" y="3035030"/>
+            <a:ext cx="6332442" cy="2567759"/>
           </a:xfrm>
           <a:prstGeom prst="rect">
             <a:avLst/>
           </a:prstGeom>
         </p:spPr>
       </p:pic>
+      <p:sp>
+        <p:nvSpPr>
+          <p:cNvPr id="7" name="矩形 6">
+            <a:extLst>
+              <a:ext uri="{FF2B5EF4-FFF2-40B4-BE49-F238E27FC236}">
+                <a16:creationId xmlns:a16="http://schemas.microsoft.com/office/drawing/2014/main" id="{B784B67C-9EEE-7C49-98AB-7A868FDF11F9}"/>
+              </a:ext>
+            </a:extLst>
+          </p:cNvPr>
+          <p:cNvSpPr/>
+          <p:nvPr/>
+        </p:nvSpPr>
+        <p:spPr>
+          <a:xfrm>
+            <a:off x="484340" y="3368675"/>
+            <a:ext cx="5230866" cy="3416320"/>
+          </a:xfrm>
+          <a:prstGeom prst="rect">
+            <a:avLst/>
+          </a:prstGeom>
+        </p:spPr>
+        <p:txBody>
+          <a:bodyPr wrap="square">
+            <a:spAutoFit/>
+          </a:bodyPr>
+          <a:lstStyle/>
+          <a:p>
+            <a:r>
+              <a:rPr lang="zh-MO" altLang="en-US" sz="2400" dirty="0"/>
+              <a:t>左邊的例子中，有幾件事需要特別注意：</a:t>
+            </a:r>
+          </a:p>
+          <a:p>
+            <a:r>
+              <a:rPr lang="zh-MO" altLang="en-US" sz="2400" dirty="0"/>
+              <a:t>一個</a:t>
+            </a:r>
+            <a:r>
+              <a:rPr lang="en" altLang="zh-MO" sz="2400" dirty="0">
+                <a:solidFill>
+                  <a:srgbClr val="FF0000"/>
+                </a:solidFill>
+              </a:rPr>
+              <a:t>if...else</a:t>
+            </a:r>
+            <a:r>
+              <a:rPr lang="zh-MO" altLang="en-US" sz="2400" dirty="0"/>
+              <a:t>區塊，只要其中一個條件成立，程式就會離開這個區塊。</a:t>
+            </a:r>
+          </a:p>
+          <a:p>
+            <a:r>
+              <a:rPr lang="zh-MO" altLang="en-US" sz="2400" dirty="0"/>
+              <a:t>條件不需要放</a:t>
+            </a:r>
+            <a:r>
+              <a:rPr lang="en-US" altLang="zh-MO" sz="2400" dirty="0"/>
+              <a:t>()</a:t>
+            </a:r>
+            <a:r>
+              <a:rPr lang="zh-MO" altLang="en-US" sz="2400" dirty="0"/>
+              <a:t>之中</a:t>
+            </a:r>
+          </a:p>
+          <a:p>
+            <a:r>
+              <a:rPr lang="zh-MO" altLang="en-US" sz="2400" dirty="0"/>
+              <a:t>每個條件後面記得要有</a:t>
+            </a:r>
+            <a:r>
+              <a:rPr lang="en-US" altLang="zh-MO" sz="2400" dirty="0"/>
+              <a:t>:</a:t>
+            </a:r>
+          </a:p>
+          <a:p>
+            <a:r>
+              <a:rPr lang="zh-MO" altLang="en-US" sz="2400" dirty="0"/>
+              <a:t>條件成立要做的事情，要以</a:t>
+            </a:r>
+            <a:r>
+              <a:rPr lang="zh-MO" altLang="en-US" sz="2400" b="1" dirty="0"/>
+              <a:t>縮排</a:t>
+            </a:r>
+            <a:r>
+              <a:rPr lang="zh-MO" altLang="en-US" sz="2400" dirty="0"/>
+              <a:t>的方式放在條件句底下</a:t>
+            </a:r>
+          </a:p>
+          <a:p>
+            <a:r>
+              <a:rPr lang="en" altLang="zh-MO" sz="2400" dirty="0"/>
+              <a:t>else if</a:t>
+            </a:r>
+            <a:r>
+              <a:rPr lang="zh-MO" altLang="en-US" sz="2400" dirty="0"/>
+              <a:t>在</a:t>
+            </a:r>
+            <a:r>
+              <a:rPr lang="en" altLang="zh-MO" sz="2400" dirty="0"/>
+              <a:t>Python</a:t>
+            </a:r>
+            <a:r>
+              <a:rPr lang="zh-MO" altLang="en-US" sz="2400" dirty="0"/>
+              <a:t>寫作</a:t>
+            </a:r>
+            <a:r>
+              <a:rPr lang="en" altLang="zh-MO" sz="2400" dirty="0" err="1"/>
+              <a:t>elif</a:t>
+            </a:r>
+            <a:endParaRPr lang="en" altLang="zh-MO" sz="2400" dirty="0"/>
+          </a:p>
+        </p:txBody>
+      </p:sp>
     </p:spTree>
     <p:extLst>
       <p:ext uri="{BB962C8B-B14F-4D97-AF65-F5344CB8AC3E}">
-        <p14:creationId xmlns:p14="http://schemas.microsoft.com/office/powerpoint/2010/main" val="3995818424"/>
+        <p14:creationId xmlns:p14="http://schemas.microsoft.com/office/powerpoint/2010/main" val="3476276675"/>
       </p:ext>
     </p:extLst>
   </p:cSld>
@@ -8244,15 +8309,7 @@
           <a:p>
             <a:r>
               <a:rPr lang="zh-MO" altLang="en-US" b="1" dirty="0"/>
-              <a:t>流程控制</a:t>
-            </a:r>
-            <a:r>
-              <a:rPr lang="en-US" altLang="zh-MO" b="1" dirty="0"/>
-              <a:t>(</a:t>
-            </a:r>
-            <a:r>
-              <a:rPr lang="en" altLang="zh-MO" b="1" dirty="0"/>
-              <a:t>if...else)</a:t>
+              <a:t>比較運算子</a:t>
             </a:r>
           </a:p>
         </p:txBody>
@@ -8276,7 +8333,7 @@
         <p:spPr>
           <a:xfrm>
             <a:off x="484340" y="1397456"/>
-            <a:ext cx="7695156" cy="3612955"/>
+            <a:ext cx="5254979" cy="3612955"/>
           </a:xfrm>
         </p:spPr>
         <p:txBody>
@@ -8288,62 +8345,16 @@
             <a:pPr algn="l"/>
             <a:r>
               <a:rPr lang="zh-MO" altLang="en-US" dirty="0"/>
-              <a:t>寫程式的時候，很常遇到某些情況，如：達成條件要做</a:t>
+              <a:t>學了</a:t>
             </a:r>
             <a:r>
               <a:rPr lang="en" altLang="zh-MO" dirty="0"/>
-              <a:t>A</a:t>
-            </a:r>
-            <a:r>
-              <a:rPr lang="zh-MO" altLang="en" dirty="0"/>
-              <a:t>，</a:t>
+              <a:t>if...else</a:t>
             </a:r>
             <a:r>
               <a:rPr lang="zh-MO" altLang="en-US" dirty="0"/>
-              <a:t>未達成要做</a:t>
-            </a:r>
-            <a:r>
-              <a:rPr lang="en" altLang="zh-MO" dirty="0"/>
-              <a:t>B</a:t>
-            </a:r>
-            <a:r>
-              <a:rPr lang="zh-MO" altLang="en" dirty="0"/>
-              <a:t>。</a:t>
-            </a:r>
-            <a:br>
-              <a:rPr lang="en" altLang="zh-MO" sz="3200" dirty="0"/>
-            </a:br>
-            <a:r>
-              <a:rPr lang="zh-MO" altLang="en-US" dirty="0"/>
-              <a:t>這時候我們就可以用</a:t>
-            </a:r>
-            <a:r>
-              <a:rPr lang="en" altLang="zh-MO" sz="3200" dirty="0">
-                <a:solidFill>
-                  <a:srgbClr val="FF0000"/>
-                </a:solidFill>
-              </a:rPr>
-              <a:t>if...else</a:t>
-            </a:r>
-            <a:r>
-              <a:rPr lang="zh-MO" altLang="en-US" dirty="0"/>
-              <a:t>來做到這件事情。</a:t>
-            </a:r>
-            <a:br>
-              <a:rPr lang="zh-MO" altLang="en-US" sz="3200" dirty="0"/>
-            </a:br>
-            <a:r>
-              <a:rPr lang="zh-MO" altLang="en-US" dirty="0"/>
-              <a:t>假設我們有一個學生的考試成績，就可以根據成績的不同來印出評語：</a:t>
-            </a:r>
-            <a:endParaRPr lang="en-US" altLang="zh-MO" dirty="0"/>
-          </a:p>
-          <a:p>
-            <a:pPr algn="l"/>
-            <a:endParaRPr lang="en-US" altLang="zh-MO" sz="3200" dirty="0"/>
-          </a:p>
-          <a:p>
-            <a:pPr algn="l"/>
+              <a:t>之後，要來教教大家怎麼樣下各式各樣的條件。</a:t>
+            </a:r>
             <a:endParaRPr lang="zh-MO" altLang="en-US" sz="3200" dirty="0"/>
           </a:p>
         </p:txBody>
@@ -8380,10 +8391,10 @@
       </p:pic>
       <p:pic>
         <p:nvPicPr>
-          <p:cNvPr id="4" name="圖片 3">
-            <a:extLst>
-              <a:ext uri="{FF2B5EF4-FFF2-40B4-BE49-F238E27FC236}">
-                <a16:creationId xmlns:a16="http://schemas.microsoft.com/office/drawing/2014/main" id="{F78D2BAA-06E5-6C4C-9C4A-B188047D8BB3}"/>
+          <p:cNvPr id="6" name="圖片 5">
+            <a:extLst>
+              <a:ext uri="{FF2B5EF4-FFF2-40B4-BE49-F238E27FC236}">
+                <a16:creationId xmlns:a16="http://schemas.microsoft.com/office/drawing/2014/main" id="{B533579E-2CD2-B449-9EA2-C05FDDB96F51}"/>
               </a:ext>
             </a:extLst>
           </p:cNvPr>
@@ -8400,131 +8411,18 @@
         </p:blipFill>
         <p:spPr>
           <a:xfrm>
-            <a:off x="5715206" y="3035030"/>
-            <a:ext cx="6332442" cy="2567759"/>
+            <a:off x="5739319" y="1047610"/>
+            <a:ext cx="3894212" cy="5294762"/>
           </a:xfrm>
           <a:prstGeom prst="rect">
             <a:avLst/>
           </a:prstGeom>
         </p:spPr>
       </p:pic>
-      <p:sp>
-        <p:nvSpPr>
-          <p:cNvPr id="7" name="矩形 6">
-            <a:extLst>
-              <a:ext uri="{FF2B5EF4-FFF2-40B4-BE49-F238E27FC236}">
-                <a16:creationId xmlns:a16="http://schemas.microsoft.com/office/drawing/2014/main" id="{B784B67C-9EEE-7C49-98AB-7A868FDF11F9}"/>
-              </a:ext>
-            </a:extLst>
-          </p:cNvPr>
-          <p:cNvSpPr/>
-          <p:nvPr/>
-        </p:nvSpPr>
-        <p:spPr>
-          <a:xfrm>
-            <a:off x="484340" y="3368675"/>
-            <a:ext cx="5230866" cy="3416320"/>
-          </a:xfrm>
-          <a:prstGeom prst="rect">
-            <a:avLst/>
-          </a:prstGeom>
-        </p:spPr>
-        <p:txBody>
-          <a:bodyPr wrap="square">
-            <a:spAutoFit/>
-          </a:bodyPr>
-          <a:lstStyle/>
-          <a:p>
-            <a:r>
-              <a:rPr lang="zh-MO" altLang="en-US" sz="2400" dirty="0"/>
-              <a:t>左邊的例子中，有幾件事需要特別注意：</a:t>
-            </a:r>
-          </a:p>
-          <a:p>
-            <a:r>
-              <a:rPr lang="zh-MO" altLang="en-US" sz="2400" dirty="0"/>
-              <a:t>一個</a:t>
-            </a:r>
-            <a:r>
-              <a:rPr lang="en" altLang="zh-MO" sz="2400" dirty="0">
-                <a:solidFill>
-                  <a:srgbClr val="FF0000"/>
-                </a:solidFill>
-              </a:rPr>
-              <a:t>if...else</a:t>
-            </a:r>
-            <a:r>
-              <a:rPr lang="zh-MO" altLang="en-US" sz="2400" dirty="0"/>
-              <a:t>區塊，只要其中一個條件成立，程式就會離開這個區塊。</a:t>
-            </a:r>
-          </a:p>
-          <a:p>
-            <a:r>
-              <a:rPr lang="zh-MO" altLang="en-US" sz="2400" dirty="0"/>
-              <a:t>條件不需要放</a:t>
-            </a:r>
-            <a:r>
-              <a:rPr lang="en-US" altLang="zh-MO" sz="2400" dirty="0"/>
-              <a:t>()</a:t>
-            </a:r>
-            <a:r>
-              <a:rPr lang="zh-MO" altLang="en-US" sz="2400" dirty="0"/>
-              <a:t>之中</a:t>
-            </a:r>
-          </a:p>
-          <a:p>
-            <a:r>
-              <a:rPr lang="zh-MO" altLang="en-US" sz="2400" dirty="0"/>
-              <a:t>每個條件後面記得要有</a:t>
-            </a:r>
-            <a:r>
-              <a:rPr lang="en-US" altLang="zh-MO" sz="2400" dirty="0"/>
-              <a:t>:</a:t>
-            </a:r>
-          </a:p>
-          <a:p>
-            <a:r>
-              <a:rPr lang="zh-MO" altLang="en-US" sz="2400" dirty="0"/>
-              <a:t>條件成立要做的事情，要以</a:t>
-            </a:r>
-            <a:r>
-              <a:rPr lang="zh-MO" altLang="en-US" sz="2400" b="1" dirty="0"/>
-              <a:t>縮排</a:t>
-            </a:r>
-            <a:r>
-              <a:rPr lang="zh-MO" altLang="en-US" sz="2400" dirty="0"/>
-              <a:t>的方式放在條件句底下</a:t>
-            </a:r>
-          </a:p>
-          <a:p>
-            <a:r>
-              <a:rPr lang="en" altLang="zh-MO" sz="2400" dirty="0"/>
-              <a:t>else if</a:t>
-            </a:r>
-            <a:r>
-              <a:rPr lang="zh-MO" altLang="en-US" sz="2400" dirty="0"/>
-              <a:t>在</a:t>
-            </a:r>
-            <a:r>
-              <a:rPr lang="en" altLang="zh-MO" sz="2400" dirty="0"/>
-              <a:t>Python</a:t>
-            </a:r>
-            <a:r>
-              <a:rPr lang="zh-MO" altLang="en-US" sz="2400" dirty="0"/>
-              <a:t>寫作</a:t>
-            </a:r>
-            <a:r>
-              <a:rPr lang="en" altLang="zh-MO" sz="2400" dirty="0" err="1"/>
-              <a:t>elif</a:t>
-            </a:r>
-            <a:endParaRPr lang="en" altLang="zh-MO" sz="2400" dirty="0"/>
-          </a:p>
-        </p:txBody>
-      </p:sp>
     </p:spTree>
     <p:extLst>
       <p:ext uri="{BB962C8B-B14F-4D97-AF65-F5344CB8AC3E}">
-        <p14:creationId xmlns:p14="http://schemas.microsoft.com/office/powerpoint/2010/main" val="3476276675"/>
+        <p14:creationId xmlns:p14="http://schemas.microsoft.com/office/powerpoint/2010/main" val="1078439002"/>
       </p:ext>
     </p:extLst>
   </p:cSld>
@@ -8581,16 +8479,9 @@
           <a:p>
             <a:r>
               <a:rPr lang="zh-MO" altLang="en-US" b="1" dirty="0"/>
-              <a:t>流程控制</a:t>
-            </a:r>
-            <a:r>
-              <a:rPr lang="en-US" altLang="zh-MO" b="1" dirty="0"/>
-              <a:t>(</a:t>
-            </a:r>
-            <a:r>
-              <a:rPr lang="en" altLang="zh-MO" b="1" dirty="0"/>
-              <a:t>if...else)</a:t>
-            </a:r>
+              <a:t>布林運算</a:t>
+            </a:r>
+            <a:endParaRPr lang="zh-MO" altLang="en-US" dirty="0"/>
           </a:p>
         </p:txBody>
       </p:sp>
@@ -8613,7 +8504,7 @@
         <p:spPr>
           <a:xfrm>
             <a:off x="484340" y="1397456"/>
-            <a:ext cx="7695156" cy="3612955"/>
+            <a:ext cx="8114911" cy="3612955"/>
           </a:xfrm>
         </p:spPr>
         <p:txBody>
@@ -8625,63 +8516,32 @@
             <a:pPr algn="l"/>
             <a:r>
               <a:rPr lang="zh-MO" altLang="en-US" dirty="0"/>
-              <a:t>寫程式的時候，很常遇到某些情況，如：達成條件要做</a:t>
-            </a:r>
-            <a:r>
-              <a:rPr lang="en" altLang="zh-MO" dirty="0"/>
-              <a:t>A</a:t>
-            </a:r>
-            <a:r>
-              <a:rPr lang="zh-MO" altLang="en" dirty="0"/>
-              <a:t>，</a:t>
-            </a:r>
+              <a:t>學了怎麼樣寫出各式各樣的條件後，你會不會想到：</a:t>
+            </a:r>
+            <a:endParaRPr lang="en-US" altLang="zh-MO" dirty="0"/>
+          </a:p>
+          <a:p>
+            <a:pPr algn="l"/>
             <a:r>
               <a:rPr lang="zh-MO" altLang="en-US" dirty="0"/>
-              <a:t>未達成要做</a:t>
-            </a:r>
-            <a:r>
-              <a:rPr lang="en" altLang="zh-MO" dirty="0"/>
-              <a:t>B</a:t>
-            </a:r>
-            <a:r>
-              <a:rPr lang="zh-MO" altLang="en" dirty="0"/>
-              <a:t>。</a:t>
-            </a:r>
-            <a:br>
-              <a:rPr lang="en" altLang="zh-MO" sz="3200" dirty="0"/>
-            </a:br>
+              <a:t>＞如果我想寫出複合式的條件怎麼辦</a:t>
+            </a:r>
+            <a:r>
+              <a:rPr lang="en-US" altLang="zh-MO" dirty="0"/>
+              <a:t>?</a:t>
+            </a:r>
+          </a:p>
+          <a:p>
+            <a:pPr algn="l"/>
+            <a:endParaRPr lang="en-US" altLang="zh-MO" dirty="0"/>
+          </a:p>
+          <a:p>
+            <a:pPr algn="l"/>
             <a:r>
               <a:rPr lang="zh-MO" altLang="en-US" dirty="0"/>
-              <a:t>這時候我們就可以用</a:t>
-            </a:r>
-            <a:r>
-              <a:rPr lang="en" altLang="zh-MO" sz="3200" dirty="0">
-                <a:solidFill>
-                  <a:srgbClr val="FF0000"/>
-                </a:solidFill>
-              </a:rPr>
-              <a:t>if...else</a:t>
-            </a:r>
-            <a:r>
-              <a:rPr lang="zh-MO" altLang="en-US" dirty="0"/>
-              <a:t>來做到這件事情。</a:t>
-            </a:r>
-            <a:br>
-              <a:rPr lang="zh-MO" altLang="en-US" sz="3200" dirty="0"/>
-            </a:br>
-            <a:r>
-              <a:rPr lang="zh-MO" altLang="en-US" dirty="0"/>
-              <a:t>假設我們有一個學生的考試成績，就可以根據成績的不同來印出評語：</a:t>
+              <a:t>那這樣時候我們就要依靠布林運算子了：</a:t>
             </a:r>
             <a:endParaRPr lang="en-US" altLang="zh-MO" dirty="0"/>
-          </a:p>
-          <a:p>
-            <a:pPr algn="l"/>
-            <a:endParaRPr lang="en-US" altLang="zh-MO" sz="3200" dirty="0"/>
-          </a:p>
-          <a:p>
-            <a:pPr algn="l"/>
-            <a:endParaRPr lang="zh-MO" altLang="en-US" sz="3200" dirty="0"/>
           </a:p>
         </p:txBody>
       </p:sp>
@@ -8720,7 +8580,7 @@
           <p:cNvPr id="4" name="圖片 3">
             <a:extLst>
               <a:ext uri="{FF2B5EF4-FFF2-40B4-BE49-F238E27FC236}">
-                <a16:creationId xmlns:a16="http://schemas.microsoft.com/office/drawing/2014/main" id="{F78D2BAA-06E5-6C4C-9C4A-B188047D8BB3}"/>
+                <a16:creationId xmlns:a16="http://schemas.microsoft.com/office/drawing/2014/main" id="{9BBA5299-ED3B-FE43-9361-C8EA819BAA46}"/>
               </a:ext>
             </a:extLst>
           </p:cNvPr>
@@ -8737,131 +8597,18 @@
         </p:blipFill>
         <p:spPr>
           <a:xfrm>
-            <a:off x="5715206" y="3035030"/>
-            <a:ext cx="6332442" cy="2567759"/>
+            <a:off x="588101" y="3334750"/>
+            <a:ext cx="7563678" cy="3221567"/>
           </a:xfrm>
           <a:prstGeom prst="rect">
             <a:avLst/>
           </a:prstGeom>
         </p:spPr>
       </p:pic>
-      <p:sp>
-        <p:nvSpPr>
-          <p:cNvPr id="7" name="矩形 6">
-            <a:extLst>
-              <a:ext uri="{FF2B5EF4-FFF2-40B4-BE49-F238E27FC236}">
-                <a16:creationId xmlns:a16="http://schemas.microsoft.com/office/drawing/2014/main" id="{B784B67C-9EEE-7C49-98AB-7A868FDF11F9}"/>
-              </a:ext>
-            </a:extLst>
-          </p:cNvPr>
-          <p:cNvSpPr/>
-          <p:nvPr/>
-        </p:nvSpPr>
-        <p:spPr>
-          <a:xfrm>
-            <a:off x="484340" y="3368675"/>
-            <a:ext cx="5230866" cy="3416320"/>
-          </a:xfrm>
-          <a:prstGeom prst="rect">
-            <a:avLst/>
-          </a:prstGeom>
-        </p:spPr>
-        <p:txBody>
-          <a:bodyPr wrap="square">
-            <a:spAutoFit/>
-          </a:bodyPr>
-          <a:lstStyle/>
-          <a:p>
-            <a:r>
-              <a:rPr lang="zh-MO" altLang="en-US" sz="2400" dirty="0"/>
-              <a:t>左邊的例子中，有幾件事需要特別注意：</a:t>
-            </a:r>
-          </a:p>
-          <a:p>
-            <a:r>
-              <a:rPr lang="zh-MO" altLang="en-US" sz="2400" dirty="0"/>
-              <a:t>一個</a:t>
-            </a:r>
-            <a:r>
-              <a:rPr lang="en" altLang="zh-MO" sz="2400" dirty="0">
-                <a:solidFill>
-                  <a:srgbClr val="FF0000"/>
-                </a:solidFill>
-              </a:rPr>
-              <a:t>if...else</a:t>
-            </a:r>
-            <a:r>
-              <a:rPr lang="zh-MO" altLang="en-US" sz="2400" dirty="0"/>
-              <a:t>區塊，只要其中一個條件成立，程式就會離開這個區塊。</a:t>
-            </a:r>
-          </a:p>
-          <a:p>
-            <a:r>
-              <a:rPr lang="zh-MO" altLang="en-US" sz="2400" dirty="0"/>
-              <a:t>條件不需要放</a:t>
-            </a:r>
-            <a:r>
-              <a:rPr lang="en-US" altLang="zh-MO" sz="2400" dirty="0"/>
-              <a:t>()</a:t>
-            </a:r>
-            <a:r>
-              <a:rPr lang="zh-MO" altLang="en-US" sz="2400" dirty="0"/>
-              <a:t>之中</a:t>
-            </a:r>
-          </a:p>
-          <a:p>
-            <a:r>
-              <a:rPr lang="zh-MO" altLang="en-US" sz="2400" dirty="0"/>
-              <a:t>每個條件後面記得要有</a:t>
-            </a:r>
-            <a:r>
-              <a:rPr lang="en-US" altLang="zh-MO" sz="2400" dirty="0"/>
-              <a:t>:</a:t>
-            </a:r>
-          </a:p>
-          <a:p>
-            <a:r>
-              <a:rPr lang="zh-MO" altLang="en-US" sz="2400" dirty="0"/>
-              <a:t>條件成立要做的事情，要以</a:t>
-            </a:r>
-            <a:r>
-              <a:rPr lang="zh-MO" altLang="en-US" sz="2400" b="1" dirty="0"/>
-              <a:t>縮排</a:t>
-            </a:r>
-            <a:r>
-              <a:rPr lang="zh-MO" altLang="en-US" sz="2400" dirty="0"/>
-              <a:t>的方式放在條件句底下</a:t>
-            </a:r>
-          </a:p>
-          <a:p>
-            <a:r>
-              <a:rPr lang="en" altLang="zh-MO" sz="2400" dirty="0"/>
-              <a:t>else if</a:t>
-            </a:r>
-            <a:r>
-              <a:rPr lang="zh-MO" altLang="en-US" sz="2400" dirty="0"/>
-              <a:t>在</a:t>
-            </a:r>
-            <a:r>
-              <a:rPr lang="en" altLang="zh-MO" sz="2400" dirty="0"/>
-              <a:t>Python</a:t>
-            </a:r>
-            <a:r>
-              <a:rPr lang="zh-MO" altLang="en-US" sz="2400" dirty="0"/>
-              <a:t>寫作</a:t>
-            </a:r>
-            <a:r>
-              <a:rPr lang="en" altLang="zh-MO" sz="2400" dirty="0" err="1"/>
-              <a:t>elif</a:t>
-            </a:r>
-            <a:endParaRPr lang="en" altLang="zh-MO" sz="2400" dirty="0"/>
-          </a:p>
-        </p:txBody>
-      </p:sp>
     </p:spTree>
     <p:extLst>
       <p:ext uri="{BB962C8B-B14F-4D97-AF65-F5344CB8AC3E}">
-        <p14:creationId xmlns:p14="http://schemas.microsoft.com/office/powerpoint/2010/main" val="51026894"/>
+        <p14:creationId xmlns:p14="http://schemas.microsoft.com/office/powerpoint/2010/main" val="1447746810"/>
       </p:ext>
     </p:extLst>
   </p:cSld>
